--- a/1月8日アルゴリズムとデータ構造_伊東咲良.pptx
+++ b/1月8日アルゴリズムとデータ構造_伊東咲良.pptx
@@ -134,7 +134,7 @@
 <file path=ppt/revisionInfo.xml><?xml version="1.0" encoding="utf-8"?>
 <p1510:revInfo xmlns:a="http://schemas.openxmlformats.org/drawingml/2006/main" xmlns:r="http://schemas.openxmlformats.org/officeDocument/2006/relationships" xmlns:p1510="http://schemas.microsoft.com/office/powerpoint/2015/10/main">
   <p1510:revLst>
-    <p1510:client id="{104F7A2F-3BD0-440C-8366-714EB525FEFA}" v="54" dt="2025-01-07T15:26:44.229"/>
+    <p1510:client id="{104F7A2F-3BD0-440C-8366-714EB525FEFA}" v="187" dt="2025-01-08T03:07:33.630"/>
   </p1510:revLst>
 </p1510:revInfo>
 </file>
@@ -144,7 +144,7 @@
   <pc:docChgLst>
     <pc:chgData name="咲良 伊東" userId="0cd96a3d043d8569" providerId="LiveId" clId="{104F7A2F-3BD0-440C-8366-714EB525FEFA}"/>
     <pc:docChg chg="undo redo custSel addSld delSld modSld">
-      <pc:chgData name="咲良 伊東" userId="0cd96a3d043d8569" providerId="LiveId" clId="{104F7A2F-3BD0-440C-8366-714EB525FEFA}" dt="2025-01-07T15:26:44.229" v="4196"/>
+      <pc:chgData name="咲良 伊東" userId="0cd96a3d043d8569" providerId="LiveId" clId="{104F7A2F-3BD0-440C-8366-714EB525FEFA}" dt="2025-01-08T03:08:15.875" v="5054" actId="20577"/>
       <pc:docMkLst>
         <pc:docMk/>
       </pc:docMkLst>
@@ -324,7 +324,7 @@
         </pc:cxnChg>
       </pc:sldChg>
       <pc:sldChg chg="modSp mod">
-        <pc:chgData name="咲良 伊東" userId="0cd96a3d043d8569" providerId="LiveId" clId="{104F7A2F-3BD0-440C-8366-714EB525FEFA}" dt="2025-01-07T15:26:10.457" v="4194" actId="20577"/>
+        <pc:chgData name="咲良 伊東" userId="0cd96a3d043d8569" providerId="LiveId" clId="{104F7A2F-3BD0-440C-8366-714EB525FEFA}" dt="2025-01-08T03:08:15.875" v="5054" actId="20577"/>
         <pc:sldMkLst>
           <pc:docMk/>
           <pc:sldMk cId="1462107044" sldId="296"/>
@@ -343,6 +343,14 @@
             <pc:docMk/>
             <pc:sldMk cId="1462107044" sldId="296"/>
             <ac:spMk id="3" creationId="{42FD679A-CDD2-4005-984B-113143E13B1F}"/>
+          </ac:spMkLst>
+        </pc:spChg>
+        <pc:spChg chg="mod">
+          <ac:chgData name="咲良 伊東" userId="0cd96a3d043d8569" providerId="LiveId" clId="{104F7A2F-3BD0-440C-8366-714EB525FEFA}" dt="2025-01-08T03:08:15.875" v="5054" actId="20577"/>
+          <ac:spMkLst>
+            <pc:docMk/>
+            <pc:sldMk cId="1462107044" sldId="296"/>
+            <ac:spMk id="5" creationId="{1F08FD74-8A95-4CC4-8A3E-A416E77C6F43}"/>
           </ac:spMkLst>
         </pc:spChg>
       </pc:sldChg>
@@ -482,8 +490,8 @@
           </ac:graphicFrameMkLst>
         </pc:graphicFrameChg>
       </pc:sldChg>
-      <pc:sldChg chg="modSp new mod">
-        <pc:chgData name="咲良 伊東" userId="0cd96a3d043d8569" providerId="LiveId" clId="{104F7A2F-3BD0-440C-8366-714EB525FEFA}" dt="2025-01-07T12:58:42.832" v="443" actId="20577"/>
+      <pc:sldChg chg="modSp new mod modAnim">
+        <pc:chgData name="咲良 伊東" userId="0cd96a3d043d8569" providerId="LiveId" clId="{104F7A2F-3BD0-440C-8366-714EB525FEFA}" dt="2025-01-08T03:07:33.630" v="5045"/>
         <pc:sldMkLst>
           <pc:docMk/>
           <pc:sldMk cId="2062134098" sldId="307"/>
@@ -497,7 +505,7 @@
           </ac:spMkLst>
         </pc:spChg>
         <pc:spChg chg="mod">
-          <ac:chgData name="咲良 伊東" userId="0cd96a3d043d8569" providerId="LiveId" clId="{104F7A2F-3BD0-440C-8366-714EB525FEFA}" dt="2025-01-07T12:58:42.832" v="443" actId="20577"/>
+          <ac:chgData name="咲良 伊東" userId="0cd96a3d043d8569" providerId="LiveId" clId="{104F7A2F-3BD0-440C-8366-714EB525FEFA}" dt="2025-01-08T03:07:15.833" v="5042" actId="20577"/>
           <ac:spMkLst>
             <pc:docMk/>
             <pc:sldMk cId="2062134098" sldId="307"/>
@@ -694,8 +702,8 @@
           </ac:graphicFrameMkLst>
         </pc:graphicFrameChg>
       </pc:sldChg>
-      <pc:sldChg chg="modSp new mod">
-        <pc:chgData name="咲良 伊東" userId="0cd96a3d043d8569" providerId="LiveId" clId="{104F7A2F-3BD0-440C-8366-714EB525FEFA}" dt="2025-01-07T12:58:54.432" v="447"/>
+      <pc:sldChg chg="modSp new mod modAnim">
+        <pc:chgData name="咲良 伊東" userId="0cd96a3d043d8569" providerId="LiveId" clId="{104F7A2F-3BD0-440C-8366-714EB525FEFA}" dt="2025-01-08T03:02:39.836" v="4687"/>
         <pc:sldMkLst>
           <pc:docMk/>
           <pc:sldMk cId="4160758038" sldId="311"/>
@@ -709,7 +717,7 @@
           </ac:spMkLst>
         </pc:spChg>
         <pc:spChg chg="mod">
-          <ac:chgData name="咲良 伊東" userId="0cd96a3d043d8569" providerId="LiveId" clId="{104F7A2F-3BD0-440C-8366-714EB525FEFA}" dt="2025-01-07T12:58:54.432" v="447"/>
+          <ac:chgData name="咲良 伊東" userId="0cd96a3d043d8569" providerId="LiveId" clId="{104F7A2F-3BD0-440C-8366-714EB525FEFA}" dt="2025-01-08T03:00:37.473" v="4684" actId="20577"/>
           <ac:spMkLst>
             <pc:docMk/>
             <pc:sldMk cId="4160758038" sldId="311"/>
@@ -972,7 +980,7 @@
           <a:p>
             <a:fld id="{3C02328F-004D-4D3A-9F80-6B7A705D1367}" type="datetimeFigureOut">
               <a:rPr kumimoji="1" lang="ja-JP" altLang="en-US" smtClean="0"/>
-              <a:t>2025/1/7</a:t>
+              <a:t>2025/1/8</a:t>
             </a:fld>
             <a:endParaRPr kumimoji="1" lang="ja-JP" altLang="en-US"/>
           </a:p>
@@ -1149,7 +1157,7 @@
           <a:p>
             <a:fld id="{1B00887C-0EF1-4AC1-9E9B-79863B12620D}" type="datetimeFigureOut">
               <a:rPr kumimoji="1" lang="ja-JP" altLang="en-US" smtClean="0"/>
-              <a:t>2025/1/7</a:t>
+              <a:t>2025/1/8</a:t>
             </a:fld>
             <a:endParaRPr kumimoji="1" lang="ja-JP" altLang="en-US"/>
           </a:p>
@@ -2303,7 +2311,7 @@
           <a:p>
             <a:fld id="{B7BAF030-86AC-4BA0-B9C6-3243C593BCFC}" type="datetimeFigureOut">
               <a:rPr kumimoji="1" lang="ja-JP" altLang="en-US" smtClean="0"/>
-              <a:t>2025/1/7</a:t>
+              <a:t>2025/1/8</a:t>
             </a:fld>
             <a:endParaRPr kumimoji="1" lang="ja-JP" altLang="en-US"/>
           </a:p>
@@ -2836,7 +2844,7 @@
           <a:bodyPr/>
           <a:lstStyle/>
           <a:p>
-            <a:endParaRPr lang="ja-JP" altLang="en-US"/>
+            <a:endParaRPr lang="ja-JP" altLang="en-US" dirty="0"/>
           </a:p>
         </p:txBody>
       </p:sp>
@@ -3310,6 +3318,36 @@
               <a:rPr kumimoji="1" lang="ja-JP" altLang="en-US" dirty="0"/>
               <a:t>）を使用</a:t>
             </a:r>
+            <a:endParaRPr kumimoji="1" lang="en-US" altLang="ja-JP" dirty="0"/>
+          </a:p>
+          <a:p>
+            <a:r>
+              <a:rPr lang="ja-JP" altLang="en-US" dirty="0"/>
+              <a:t>開いたカードから左側は小さい順に並ぶ</a:t>
+            </a:r>
+            <a:endParaRPr kumimoji="1" lang="en-US" altLang="ja-JP" dirty="0"/>
+          </a:p>
+          <a:p>
+            <a:r>
+              <a:rPr lang="ja-JP" altLang="en-US" dirty="0"/>
+              <a:t>順序をひっくり返すというより、挿入するカードを入れるところを決めるために</a:t>
+            </a:r>
+            <a:r>
+              <a:rPr lang="en-US" altLang="ja-JP" dirty="0"/>
+              <a:t>1</a:t>
+            </a:r>
+            <a:r>
+              <a:rPr lang="ja-JP" altLang="en-US" dirty="0"/>
+              <a:t>個ずつずらしていく</a:t>
+            </a:r>
+            <a:endParaRPr lang="en-US" altLang="ja-JP" dirty="0"/>
+          </a:p>
+          <a:p>
+            <a:r>
+              <a:rPr lang="ja-JP" altLang="en-US" dirty="0"/>
+              <a:t>ずらす時、左側の要素が挿入するカードの要素より小さい場合、挿入場所は以降の要素を見ずとも決定できる</a:t>
+            </a:r>
+            <a:endParaRPr lang="en-US" altLang="ja-JP" dirty="0"/>
           </a:p>
         </p:txBody>
       </p:sp>
@@ -3357,6 +3395,183 @@
   <p:clrMapOvr>
     <a:masterClrMapping/>
   </p:clrMapOvr>
+  <p:timing>
+    <p:tnLst>
+      <p:par>
+        <p:cTn id="1" dur="indefinite" restart="never" nodeType="tmRoot">
+          <p:childTnLst>
+            <p:seq concurrent="1" nextAc="seek">
+              <p:cTn id="2" dur="indefinite" nodeType="mainSeq">
+                <p:childTnLst>
+                  <p:par>
+                    <p:cTn id="3" fill="hold">
+                      <p:stCondLst>
+                        <p:cond delay="indefinite"/>
+                      </p:stCondLst>
+                      <p:childTnLst>
+                        <p:par>
+                          <p:cTn id="4" fill="hold">
+                            <p:stCondLst>
+                              <p:cond delay="0"/>
+                            </p:stCondLst>
+                            <p:childTnLst>
+                              <p:par>
+                                <p:cTn id="5" presetID="1" presetClass="entr" presetSubtype="0" fill="hold" nodeType="clickEffect">
+                                  <p:stCondLst>
+                                    <p:cond delay="0"/>
+                                  </p:stCondLst>
+                                  <p:childTnLst>
+                                    <p:set>
+                                      <p:cBhvr>
+                                        <p:cTn id="6" dur="1" fill="hold">
+                                          <p:stCondLst>
+                                            <p:cond delay="0"/>
+                                          </p:stCondLst>
+                                        </p:cTn>
+                                        <p:tgtEl>
+                                          <p:spTgt spid="3">
+                                            <p:txEl>
+                                              <p:pRg st="1" end="1"/>
+                                            </p:txEl>
+                                          </p:spTgt>
+                                        </p:tgtEl>
+                                        <p:attrNameLst>
+                                          <p:attrName>style.visibility</p:attrName>
+                                        </p:attrNameLst>
+                                      </p:cBhvr>
+                                      <p:to>
+                                        <p:strVal val="visible"/>
+                                      </p:to>
+                                    </p:set>
+                                  </p:childTnLst>
+                                </p:cTn>
+                              </p:par>
+                            </p:childTnLst>
+                          </p:cTn>
+                        </p:par>
+                      </p:childTnLst>
+                    </p:cTn>
+                  </p:par>
+                  <p:par>
+                    <p:cTn id="7" fill="hold">
+                      <p:stCondLst>
+                        <p:cond delay="indefinite"/>
+                      </p:stCondLst>
+                      <p:childTnLst>
+                        <p:par>
+                          <p:cTn id="8" fill="hold">
+                            <p:stCondLst>
+                              <p:cond delay="0"/>
+                            </p:stCondLst>
+                            <p:childTnLst>
+                              <p:par>
+                                <p:cTn id="9" presetID="1" presetClass="entr" presetSubtype="0" fill="hold" nodeType="clickEffect">
+                                  <p:stCondLst>
+                                    <p:cond delay="0"/>
+                                  </p:stCondLst>
+                                  <p:childTnLst>
+                                    <p:set>
+                                      <p:cBhvr>
+                                        <p:cTn id="10" dur="1" fill="hold">
+                                          <p:stCondLst>
+                                            <p:cond delay="0"/>
+                                          </p:stCondLst>
+                                        </p:cTn>
+                                        <p:tgtEl>
+                                          <p:spTgt spid="3">
+                                            <p:txEl>
+                                              <p:pRg st="2" end="2"/>
+                                            </p:txEl>
+                                          </p:spTgt>
+                                        </p:tgtEl>
+                                        <p:attrNameLst>
+                                          <p:attrName>style.visibility</p:attrName>
+                                        </p:attrNameLst>
+                                      </p:cBhvr>
+                                      <p:to>
+                                        <p:strVal val="visible"/>
+                                      </p:to>
+                                    </p:set>
+                                  </p:childTnLst>
+                                </p:cTn>
+                              </p:par>
+                            </p:childTnLst>
+                          </p:cTn>
+                        </p:par>
+                      </p:childTnLst>
+                    </p:cTn>
+                  </p:par>
+                  <p:par>
+                    <p:cTn id="11" fill="hold">
+                      <p:stCondLst>
+                        <p:cond delay="indefinite"/>
+                      </p:stCondLst>
+                      <p:childTnLst>
+                        <p:par>
+                          <p:cTn id="12" fill="hold">
+                            <p:stCondLst>
+                              <p:cond delay="0"/>
+                            </p:stCondLst>
+                            <p:childTnLst>
+                              <p:par>
+                                <p:cTn id="13" presetID="1" presetClass="entr" presetSubtype="0" fill="hold" nodeType="clickEffect">
+                                  <p:stCondLst>
+                                    <p:cond delay="0"/>
+                                  </p:stCondLst>
+                                  <p:childTnLst>
+                                    <p:set>
+                                      <p:cBhvr>
+                                        <p:cTn id="14" dur="1" fill="hold">
+                                          <p:stCondLst>
+                                            <p:cond delay="0"/>
+                                          </p:stCondLst>
+                                        </p:cTn>
+                                        <p:tgtEl>
+                                          <p:spTgt spid="3">
+                                            <p:txEl>
+                                              <p:pRg st="3" end="3"/>
+                                            </p:txEl>
+                                          </p:spTgt>
+                                        </p:tgtEl>
+                                        <p:attrNameLst>
+                                          <p:attrName>style.visibility</p:attrName>
+                                        </p:attrNameLst>
+                                      </p:cBhvr>
+                                      <p:to>
+                                        <p:strVal val="visible"/>
+                                      </p:to>
+                                    </p:set>
+                                  </p:childTnLst>
+                                </p:cTn>
+                              </p:par>
+                            </p:childTnLst>
+                          </p:cTn>
+                        </p:par>
+                      </p:childTnLst>
+                    </p:cTn>
+                  </p:par>
+                </p:childTnLst>
+              </p:cTn>
+              <p:prevCondLst>
+                <p:cond evt="onPrev" delay="0">
+                  <p:tgtEl>
+                    <p:sldTgt/>
+                  </p:tgtEl>
+                </p:cond>
+              </p:prevCondLst>
+              <p:nextCondLst>
+                <p:cond evt="onNext" delay="0">
+                  <p:tgtEl>
+                    <p:sldTgt/>
+                  </p:tgtEl>
+                </p:cond>
+              </p:nextCondLst>
+            </p:seq>
+          </p:childTnLst>
+        </p:cTn>
+      </p:par>
+    </p:tnLst>
+  </p:timing>
 </p:sld>
 </file>
 
@@ -5580,6 +5795,33 @@
               <a:rPr lang="ja-JP" altLang="en-US" dirty="0"/>
               <a:t>）を使用</a:t>
             </a:r>
+            <a:endParaRPr lang="en-US" altLang="ja-JP" dirty="0"/>
+          </a:p>
+          <a:p>
+            <a:r>
+              <a:rPr lang="ja-JP" altLang="en-US" dirty="0"/>
+              <a:t>左から順に二つ選び、左から大小の順になっている場合交換する</a:t>
+            </a:r>
+            <a:endParaRPr lang="en-US" altLang="ja-JP" dirty="0"/>
+          </a:p>
+          <a:p>
+            <a:r>
+              <a:rPr lang="ja-JP" altLang="en-US" dirty="0"/>
+              <a:t>繰り返すことで右の要素がだんだん確定するため、左から選ぶ要素が少なくなっていく</a:t>
+            </a:r>
+            <a:endParaRPr lang="en-US" altLang="ja-JP" dirty="0"/>
+          </a:p>
+          <a:p>
+            <a:r>
+              <a:rPr lang="ja-JP" altLang="en-US" dirty="0"/>
+              <a:t>一通り行うことで、一番右が大きな値となる</a:t>
+            </a:r>
+            <a:endParaRPr lang="en-US" altLang="ja-JP" dirty="0"/>
+          </a:p>
+          <a:p>
+            <a:endParaRPr lang="en-US" altLang="ja-JP" dirty="0"/>
+          </a:p>
+          <a:p>
             <a:endParaRPr kumimoji="1" lang="en-US" altLang="ja-JP" dirty="0"/>
           </a:p>
           <a:p>
@@ -5631,6 +5873,183 @@
   <p:clrMapOvr>
     <a:masterClrMapping/>
   </p:clrMapOvr>
+  <p:timing>
+    <p:tnLst>
+      <p:par>
+        <p:cTn id="1" dur="indefinite" restart="never" nodeType="tmRoot">
+          <p:childTnLst>
+            <p:seq concurrent="1" nextAc="seek">
+              <p:cTn id="2" dur="indefinite" nodeType="mainSeq">
+                <p:childTnLst>
+                  <p:par>
+                    <p:cTn id="3" fill="hold">
+                      <p:stCondLst>
+                        <p:cond delay="indefinite"/>
+                      </p:stCondLst>
+                      <p:childTnLst>
+                        <p:par>
+                          <p:cTn id="4" fill="hold">
+                            <p:stCondLst>
+                              <p:cond delay="0"/>
+                            </p:stCondLst>
+                            <p:childTnLst>
+                              <p:par>
+                                <p:cTn id="5" presetID="1" presetClass="entr" presetSubtype="0" fill="hold" nodeType="clickEffect">
+                                  <p:stCondLst>
+                                    <p:cond delay="0"/>
+                                  </p:stCondLst>
+                                  <p:childTnLst>
+                                    <p:set>
+                                      <p:cBhvr>
+                                        <p:cTn id="6" dur="1" fill="hold">
+                                          <p:stCondLst>
+                                            <p:cond delay="0"/>
+                                          </p:stCondLst>
+                                        </p:cTn>
+                                        <p:tgtEl>
+                                          <p:spTgt spid="3">
+                                            <p:txEl>
+                                              <p:pRg st="1" end="1"/>
+                                            </p:txEl>
+                                          </p:spTgt>
+                                        </p:tgtEl>
+                                        <p:attrNameLst>
+                                          <p:attrName>style.visibility</p:attrName>
+                                        </p:attrNameLst>
+                                      </p:cBhvr>
+                                      <p:to>
+                                        <p:strVal val="visible"/>
+                                      </p:to>
+                                    </p:set>
+                                  </p:childTnLst>
+                                </p:cTn>
+                              </p:par>
+                            </p:childTnLst>
+                          </p:cTn>
+                        </p:par>
+                      </p:childTnLst>
+                    </p:cTn>
+                  </p:par>
+                  <p:par>
+                    <p:cTn id="7" fill="hold">
+                      <p:stCondLst>
+                        <p:cond delay="indefinite"/>
+                      </p:stCondLst>
+                      <p:childTnLst>
+                        <p:par>
+                          <p:cTn id="8" fill="hold">
+                            <p:stCondLst>
+                              <p:cond delay="0"/>
+                            </p:stCondLst>
+                            <p:childTnLst>
+                              <p:par>
+                                <p:cTn id="9" presetID="1" presetClass="entr" presetSubtype="0" fill="hold" nodeType="clickEffect">
+                                  <p:stCondLst>
+                                    <p:cond delay="0"/>
+                                  </p:stCondLst>
+                                  <p:childTnLst>
+                                    <p:set>
+                                      <p:cBhvr>
+                                        <p:cTn id="10" dur="1" fill="hold">
+                                          <p:stCondLst>
+                                            <p:cond delay="0"/>
+                                          </p:stCondLst>
+                                        </p:cTn>
+                                        <p:tgtEl>
+                                          <p:spTgt spid="3">
+                                            <p:txEl>
+                                              <p:pRg st="2" end="2"/>
+                                            </p:txEl>
+                                          </p:spTgt>
+                                        </p:tgtEl>
+                                        <p:attrNameLst>
+                                          <p:attrName>style.visibility</p:attrName>
+                                        </p:attrNameLst>
+                                      </p:cBhvr>
+                                      <p:to>
+                                        <p:strVal val="visible"/>
+                                      </p:to>
+                                    </p:set>
+                                  </p:childTnLst>
+                                </p:cTn>
+                              </p:par>
+                            </p:childTnLst>
+                          </p:cTn>
+                        </p:par>
+                      </p:childTnLst>
+                    </p:cTn>
+                  </p:par>
+                  <p:par>
+                    <p:cTn id="11" fill="hold">
+                      <p:stCondLst>
+                        <p:cond delay="indefinite"/>
+                      </p:stCondLst>
+                      <p:childTnLst>
+                        <p:par>
+                          <p:cTn id="12" fill="hold">
+                            <p:stCondLst>
+                              <p:cond delay="0"/>
+                            </p:stCondLst>
+                            <p:childTnLst>
+                              <p:par>
+                                <p:cTn id="13" presetID="1" presetClass="entr" presetSubtype="0" fill="hold" nodeType="clickEffect">
+                                  <p:stCondLst>
+                                    <p:cond delay="0"/>
+                                  </p:stCondLst>
+                                  <p:childTnLst>
+                                    <p:set>
+                                      <p:cBhvr>
+                                        <p:cTn id="14" dur="1" fill="hold">
+                                          <p:stCondLst>
+                                            <p:cond delay="0"/>
+                                          </p:stCondLst>
+                                        </p:cTn>
+                                        <p:tgtEl>
+                                          <p:spTgt spid="3">
+                                            <p:txEl>
+                                              <p:pRg st="3" end="3"/>
+                                            </p:txEl>
+                                          </p:spTgt>
+                                        </p:tgtEl>
+                                        <p:attrNameLst>
+                                          <p:attrName>style.visibility</p:attrName>
+                                        </p:attrNameLst>
+                                      </p:cBhvr>
+                                      <p:to>
+                                        <p:strVal val="visible"/>
+                                      </p:to>
+                                    </p:set>
+                                  </p:childTnLst>
+                                </p:cTn>
+                              </p:par>
+                            </p:childTnLst>
+                          </p:cTn>
+                        </p:par>
+                      </p:childTnLst>
+                    </p:cTn>
+                  </p:par>
+                </p:childTnLst>
+              </p:cTn>
+              <p:prevCondLst>
+                <p:cond evt="onPrev" delay="0">
+                  <p:tgtEl>
+                    <p:sldTgt/>
+                  </p:tgtEl>
+                </p:cond>
+              </p:prevCondLst>
+              <p:nextCondLst>
+                <p:cond evt="onNext" delay="0">
+                  <p:tgtEl>
+                    <p:sldTgt/>
+                  </p:tgtEl>
+                </p:cond>
+              </p:nextCondLst>
+            </p:seq>
+          </p:childTnLst>
+        </p:cTn>
+      </p:par>
+    </p:tnLst>
+  </p:timing>
 </p:sld>
 </file>
 
@@ -7992,21 +8411,6 @@
 </file>
 
 <file path=customXml/item1.xml><?xml version="1.0" encoding="utf-8"?>
-<?mso-contentType ?>
-<FormTemplates xmlns="http://schemas.microsoft.com/sharepoint/v3/contenttype/forms">
-  <Display>DocumentLibraryForm</Display>
-  <Edit>DocumentLibraryForm</Edit>
-  <New>DocumentLibraryForm</New>
-</FormTemplates>
-</file>
-
-<file path=customXml/item2.xml><?xml version="1.0" encoding="utf-8"?>
-<p:properties xmlns:p="http://schemas.microsoft.com/office/2006/metadata/properties" xmlns:xsi="http://www.w3.org/2001/XMLSchema-instance" xmlns:pc="http://schemas.microsoft.com/office/infopath/2007/PartnerControls">
-  <documentManagement/>
-</p:properties>
-</file>
-
-<file path=customXml/item3.xml><?xml version="1.0" encoding="utf-8"?>
 <ct:contentTypeSchema xmlns:ct="http://schemas.microsoft.com/office/2006/metadata/contentType" xmlns:ma="http://schemas.microsoft.com/office/2006/metadata/properties/metaAttributes" ct:_="" ma:_="" ma:contentTypeName="ドキュメント" ma:contentTypeID="0x010100E7783413B678BA4F83764129A5DB4607" ma:contentTypeVersion="0" ma:contentTypeDescription="新しいドキュメントを作成します。" ma:contentTypeScope="" ma:versionID="36bbfa3e05015206d9e02241ed477da6">
   <xsd:schema xmlns:xsd="http://www.w3.org/2001/XMLSchema" xmlns:xs="http://www.w3.org/2001/XMLSchema" xmlns:p="http://schemas.microsoft.com/office/2006/metadata/properties" targetNamespace="http://schemas.microsoft.com/office/2006/metadata/properties" ma:root="true" ma:fieldsID="bfa5fc393d419cfd9816b88a984ff782">
     <xsd:element name="properties">
@@ -8120,10 +8524,33 @@
 </ct:contentTypeSchema>
 </file>
 
+<file path=customXml/item2.xml><?xml version="1.0" encoding="utf-8"?>
+<p:properties xmlns:p="http://schemas.microsoft.com/office/2006/metadata/properties" xmlns:xsi="http://www.w3.org/2001/XMLSchema-instance" xmlns:pc="http://schemas.microsoft.com/office/infopath/2007/PartnerControls">
+  <documentManagement/>
+</p:properties>
+</file>
+
+<file path=customXml/item3.xml><?xml version="1.0" encoding="utf-8"?>
+<?mso-contentType ?>
+<FormTemplates xmlns="http://schemas.microsoft.com/sharepoint/v3/contenttype/forms">
+  <Display>DocumentLibraryForm</Display>
+  <Edit>DocumentLibraryForm</Edit>
+  <New>DocumentLibraryForm</New>
+</FormTemplates>
+</file>
+
 <file path=customXml/itemProps1.xml><?xml version="1.0" encoding="utf-8"?>
-<ds:datastoreItem xmlns:ds="http://schemas.openxmlformats.org/officeDocument/2006/customXml" ds:itemID="{0EFD21F3-24CC-4605-A5CE-D678D2531AFB}">
+<ds:datastoreItem xmlns:ds="http://schemas.openxmlformats.org/officeDocument/2006/customXml" ds:itemID="{BE74453E-F96D-478A-A3EE-1788D5BEB2BD}">
   <ds:schemaRefs>
-    <ds:schemaRef ds:uri="http://schemas.microsoft.com/sharepoint/v3/contenttype/forms"/>
+    <ds:schemaRef ds:uri="http://schemas.microsoft.com/office/2006/metadata/contentType"/>
+    <ds:schemaRef ds:uri="http://schemas.microsoft.com/office/2006/metadata/properties/metaAttributes"/>
+    <ds:schemaRef ds:uri="http://www.w3.org/2001/XMLSchema"/>
+    <ds:schemaRef ds:uri="http://schemas.microsoft.com/office/2006/metadata/properties"/>
+    <ds:schemaRef ds:uri="http://schemas.openxmlformats.org/package/2006/metadata/core-properties"/>
+    <ds:schemaRef ds:uri="http://purl.org/dc/elements/1.1/"/>
+    <ds:schemaRef ds:uri="http://purl.org/dc/terms/"/>
+    <ds:schemaRef ds:uri="http://schemas.microsoft.com/internal/obd"/>
+    <ds:schemaRef ds:uri="http://schemas.microsoft.com/office/infopath/2007/PartnerControls"/>
   </ds:schemaRefs>
 </ds:datastoreItem>
 </file>
@@ -8144,17 +8571,9 @@
 </file>
 
 <file path=customXml/itemProps3.xml><?xml version="1.0" encoding="utf-8"?>
-<ds:datastoreItem xmlns:ds="http://schemas.openxmlformats.org/officeDocument/2006/customXml" ds:itemID="{BE74453E-F96D-478A-A3EE-1788D5BEB2BD}">
+<ds:datastoreItem xmlns:ds="http://schemas.openxmlformats.org/officeDocument/2006/customXml" ds:itemID="{0EFD21F3-24CC-4605-A5CE-D678D2531AFB}">
   <ds:schemaRefs>
-    <ds:schemaRef ds:uri="http://schemas.microsoft.com/office/2006/metadata/contentType"/>
-    <ds:schemaRef ds:uri="http://schemas.microsoft.com/office/2006/metadata/properties/metaAttributes"/>
-    <ds:schemaRef ds:uri="http://www.w3.org/2001/XMLSchema"/>
-    <ds:schemaRef ds:uri="http://schemas.microsoft.com/office/2006/metadata/properties"/>
-    <ds:schemaRef ds:uri="http://schemas.openxmlformats.org/package/2006/metadata/core-properties"/>
-    <ds:schemaRef ds:uri="http://purl.org/dc/elements/1.1/"/>
-    <ds:schemaRef ds:uri="http://purl.org/dc/terms/"/>
-    <ds:schemaRef ds:uri="http://schemas.microsoft.com/internal/obd"/>
-    <ds:schemaRef ds:uri="http://schemas.microsoft.com/office/infopath/2007/PartnerControls"/>
+    <ds:schemaRef ds:uri="http://schemas.microsoft.com/sharepoint/v3/contenttype/forms"/>
   </ds:schemaRefs>
 </ds:datastoreItem>
 </file>